--- a/2.1PSS_ Intro to Python(1).pptx
+++ b/2.1PSS_ Intro to Python(1).pptx
@@ -8921,6 +8921,28 @@
                 <a:cs typeface="Consolas"/>
                 <a:sym typeface="Consolas"/>
               </a:rPr>
+              <a:t>Setup git hub account </a:t>
+            </a:r>
+          </a:p>
+          <a:p>
+            <a:pPr marL="457200" lvl="0" indent="-292100" algn="l" rtl="0">
+              <a:spcBef>
+                <a:spcPts val="0"/>
+              </a:spcBef>
+              <a:spcAft>
+                <a:spcPts val="0"/>
+              </a:spcAft>
+              <a:buSzPts val="1000"/>
+              <a:buFont typeface="Consolas"/>
+              <a:buAutoNum type="arabicPeriod"/>
+            </a:pPr>
+            <a:r>
+              <a:rPr lang="en-US" sz="1000" dirty="0">
+                <a:latin typeface="Consolas"/>
+                <a:ea typeface="Consolas"/>
+                <a:cs typeface="Consolas"/>
+                <a:sym typeface="Consolas"/>
+              </a:rPr>
               <a:t>Download PyCharm </a:t>
             </a:r>
           </a:p>
@@ -8965,7 +8987,7 @@
                 <a:cs typeface="Consolas"/>
                 <a:sym typeface="Consolas"/>
               </a:rPr>
-              <a:t>Get the repository you want to clone </a:t>
+              <a:t>Get the repository link you want to clone </a:t>
             </a:r>
           </a:p>
           <a:p>
@@ -9331,7 +9353,7 @@
                 <a:cs typeface="Consolas"/>
                 <a:sym typeface="Consolas"/>
               </a:rPr>
-              <a:t>pro (had ide features) </a:t>
+              <a:t>pro (has ide features) </a:t>
             </a:r>
           </a:p>
           <a:p>
@@ -10420,6 +10442,26 @@
               </a:spcAft>
               <a:buNone/>
             </a:pPr>
+            <a:endParaRPr lang="en-US" dirty="0">
+              <a:solidFill>
+                <a:srgbClr val="FFC000"/>
+              </a:solidFill>
+              <a:latin typeface="Consolas"/>
+              <a:ea typeface="Consolas"/>
+              <a:cs typeface="Consolas"/>
+              <a:sym typeface="Consolas"/>
+            </a:endParaRPr>
+          </a:p>
+          <a:p>
+            <a:pPr marL="0" lvl="0" indent="0" algn="l" rtl="0">
+              <a:spcBef>
+                <a:spcPts val="0"/>
+              </a:spcBef>
+              <a:spcAft>
+                <a:spcPts val="0"/>
+              </a:spcAft>
+              <a:buNone/>
+            </a:pPr>
             <a:r>
               <a:rPr lang="en-US" dirty="0">
                 <a:solidFill>
@@ -10460,7 +10502,7 @@
                 <a:cs typeface="Consolas"/>
                 <a:sym typeface="Consolas"/>
               </a:rPr>
-              <a:t>():</a:t>
+              <a:t>(): #fuction to input address</a:t>
             </a:r>
           </a:p>
           <a:p>
